--- a/Python Presentation.pptx
+++ b/Python Presentation.pptx
@@ -15,9 +15,10 @@
     <p:sldId id="262" r:id="rId9"/>
     <p:sldId id="264" r:id="rId10"/>
     <p:sldId id="263" r:id="rId11"/>
-    <p:sldId id="265" r:id="rId12"/>
-    <p:sldId id="269" r:id="rId13"/>
-    <p:sldId id="266" r:id="rId14"/>
+    <p:sldId id="270" r:id="rId12"/>
+    <p:sldId id="265" r:id="rId13"/>
+    <p:sldId id="269" r:id="rId14"/>
+    <p:sldId id="266" r:id="rId15"/>
   </p:sldIdLst>
   <p:sldSz cx="12192000" cy="6858000"/>
   <p:notesSz cx="6858000" cy="9144000"/>
@@ -3787,6 +3788,30 @@
 <file path=ppt/slides/slide11.xml><?xml version="1.0" encoding="utf-8"?>
 <p:sld xmlns:a="http://schemas.openxmlformats.org/drawingml/2006/main" xmlns:r="http://schemas.openxmlformats.org/officeDocument/2006/relationships" xmlns:p="http://schemas.openxmlformats.org/presentationml/2006/main">
   <p:cSld>
+    <p:bg>
+      <p:bgPr>
+        <a:gradFill rotWithShape="1">
+          <a:gsLst>
+            <a:gs pos="0">
+              <a:schemeClr val="bg2">
+                <a:tint val="94000"/>
+                <a:satMod val="80000"/>
+                <a:lumMod val="106000"/>
+              </a:schemeClr>
+            </a:gs>
+            <a:gs pos="100000">
+              <a:schemeClr val="bg2">
+                <a:shade val="80000"/>
+              </a:schemeClr>
+            </a:gs>
+          </a:gsLst>
+          <a:path path="circle">
+            <a:fillToRect l="43000" r="43000" b="100000"/>
+          </a:path>
+        </a:gradFill>
+        <a:effectLst/>
+      </p:bgPr>
+    </p:bg>
     <p:spTree>
       <p:nvGrpSpPr>
         <p:cNvPr id="1" name=""/>
@@ -3803,10 +3828,323 @@
       </p:grpSpPr>
       <p:sp>
         <p:nvSpPr>
+          <p:cNvPr id="10" name="Rectangle 9">
+            <a:extLst>
+              <a:ext uri="{FF2B5EF4-FFF2-40B4-BE49-F238E27FC236}">
+                <a16:creationId xmlns:a16="http://schemas.microsoft.com/office/drawing/2014/main" id="{C63C853E-3842-4594-86A9-051FFAF4D343}"/>
+              </a:ext>
+              <a:ext uri="{C183D7F6-B498-43B3-948B-1728B52AA6E4}">
+                <adec:decorative xmlns:adec="http://schemas.microsoft.com/office/drawing/2017/decorative" val="1"/>
+              </a:ext>
+            </a:extLst>
+          </p:cNvPr>
+          <p:cNvSpPr>
+            <a:spLocks noGrp="1" noRot="1" noChangeAspect="1" noMove="1" noResize="1" noEditPoints="1" noAdjustHandles="1" noChangeArrowheads="1" noChangeShapeType="1" noTextEdit="1"/>
+          </p:cNvSpPr>
+          <p:nvPr>
+            <p:extLst>
+              <p:ext uri="{386F3935-93C4-4BCD-93E2-E3B085C9AB24}">
+                <p16:designElem xmlns:p16="http://schemas.microsoft.com/office/powerpoint/2015/main" val="1"/>
+              </p:ext>
+            </p:extLst>
+          </p:nvPr>
+        </p:nvSpPr>
+        <p:spPr>
+          <a:xfrm>
+            <a:off x="0" y="2019476"/>
+            <a:ext cx="12192000" cy="4105941"/>
+          </a:xfrm>
+          <a:prstGeom prst="rect">
+            <a:avLst/>
+          </a:prstGeom>
+          <a:gradFill flip="none" rotWithShape="1">
+            <a:gsLst>
+              <a:gs pos="0">
+                <a:schemeClr val="bg2">
+                  <a:alpha val="0"/>
+                </a:schemeClr>
+              </a:gs>
+              <a:gs pos="100000">
+                <a:schemeClr val="bg2"/>
+              </a:gs>
+            </a:gsLst>
+            <a:lin ang="5400000" scaled="0"/>
+            <a:tileRect/>
+          </a:gradFill>
+          <a:ln>
+            <a:noFill/>
+          </a:ln>
+        </p:spPr>
+        <p:style>
+          <a:lnRef idx="2">
+            <a:schemeClr val="accent1">
+              <a:shade val="50000"/>
+            </a:schemeClr>
+          </a:lnRef>
+          <a:fillRef idx="1">
+            <a:schemeClr val="accent1"/>
+          </a:fillRef>
+          <a:effectRef idx="0">
+            <a:schemeClr val="accent1"/>
+          </a:effectRef>
+          <a:fontRef idx="minor">
+            <a:schemeClr val="lt1"/>
+          </a:fontRef>
+        </p:style>
+        <p:txBody>
+          <a:bodyPr/>
+          <a:lstStyle/>
+          <a:p>
+            <a:endParaRPr lang="en-US"/>
+          </a:p>
+        </p:txBody>
+      </p:sp>
+      <p:pic>
+        <p:nvPicPr>
+          <p:cNvPr id="12" name="Picture 11">
+            <a:extLst>
+              <a:ext uri="{FF2B5EF4-FFF2-40B4-BE49-F238E27FC236}">
+                <a16:creationId xmlns:a16="http://schemas.microsoft.com/office/drawing/2014/main" id="{B591CDC5-6B61-4116-B3B5-0FF42B6E606D}"/>
+              </a:ext>
+              <a:ext uri="{C183D7F6-B498-43B3-948B-1728B52AA6E4}">
+                <adec:decorative xmlns:adec="http://schemas.microsoft.com/office/drawing/2017/decorative" val="1"/>
+              </a:ext>
+            </a:extLst>
+          </p:cNvPr>
+          <p:cNvPicPr>
+            <a:picLocks noGrp="1" noRot="1" noChangeAspect="1" noMove="1" noResize="1" noEditPoints="1" noAdjustHandles="1" noChangeArrowheads="1" noChangeShapeType="1" noCrop="1"/>
+          </p:cNvPicPr>
+          <p:nvPr>
+            <p:extLst>
+              <p:ext uri="{386F3935-93C4-4BCD-93E2-E3B085C9AB24}">
+                <p16:designElem xmlns:p16="http://schemas.microsoft.com/office/powerpoint/2015/main" val="1"/>
+              </p:ext>
+            </p:extLst>
+          </p:nvPr>
+        </p:nvPicPr>
+        <p:blipFill rotWithShape="1">
+          <a:blip r:embed="rId2">
+            <a:extLst>
+              <a:ext uri="{28A0092B-C50C-407E-A947-70E740481C1C}">
+                <a14:useLocalDpi xmlns:a14="http://schemas.microsoft.com/office/drawing/2010/main" val="0"/>
+              </a:ext>
+            </a:extLst>
+          </a:blip>
+          <a:srcRect t="1538" b="-1538"/>
+          <a:stretch/>
+        </p:blipFill>
+        <p:spPr bwMode="black">
+          <a:xfrm>
+            <a:off x="0" y="6126480"/>
+            <a:ext cx="12192000" cy="742950"/>
+          </a:xfrm>
+          <a:prstGeom prst="rect">
+            <a:avLst/>
+          </a:prstGeom>
+        </p:spPr>
+      </p:pic>
+      <p:cxnSp>
+        <p:nvCxnSpPr>
+          <p:cNvPr id="14" name="Straight Connector 13">
+            <a:extLst>
+              <a:ext uri="{FF2B5EF4-FFF2-40B4-BE49-F238E27FC236}">
+                <a16:creationId xmlns:a16="http://schemas.microsoft.com/office/drawing/2014/main" id="{25B08984-5BEB-422F-A364-2B41E6A516EB}"/>
+              </a:ext>
+              <a:ext uri="{C183D7F6-B498-43B3-948B-1728B52AA6E4}">
+                <adec:decorative xmlns:adec="http://schemas.microsoft.com/office/drawing/2017/decorative" val="1"/>
+              </a:ext>
+            </a:extLst>
+          </p:cNvPr>
+          <p:cNvCxnSpPr>
+            <a:cxnSpLocks noGrp="1" noRot="1" noChangeAspect="1" noMove="1" noResize="1" noEditPoints="1" noAdjustHandles="1" noChangeArrowheads="1" noChangeShapeType="1"/>
+          </p:cNvCxnSpPr>
+          <p:nvPr>
+            <p:extLst>
+              <p:ext uri="{386F3935-93C4-4BCD-93E2-E3B085C9AB24}">
+                <p16:designElem xmlns:p16="http://schemas.microsoft.com/office/powerpoint/2015/main" val="1"/>
+              </p:ext>
+            </p:extLst>
+          </p:nvPr>
+        </p:nvCxnSpPr>
+        <p:spPr>
+          <a:xfrm>
+            <a:off x="0" y="6128413"/>
+            <a:ext cx="12192000" cy="0"/>
+          </a:xfrm>
+          <a:prstGeom prst="line">
+            <a:avLst/>
+          </a:prstGeom>
+          <a:ln w="12700">
+            <a:solidFill>
+              <a:srgbClr val="000001">
+                <a:alpha val="20000"/>
+              </a:srgbClr>
+            </a:solidFill>
+          </a:ln>
+        </p:spPr>
+        <p:style>
+          <a:lnRef idx="1">
+            <a:schemeClr val="accent1"/>
+          </a:lnRef>
+          <a:fillRef idx="0">
+            <a:schemeClr val="accent1"/>
+          </a:fillRef>
+          <a:effectRef idx="0">
+            <a:schemeClr val="accent1"/>
+          </a:effectRef>
+          <a:fontRef idx="minor">
+            <a:schemeClr val="tx1"/>
+          </a:fontRef>
+        </p:style>
+      </p:cxnSp>
+      <p:cxnSp>
+        <p:nvCxnSpPr>
+          <p:cNvPr id="16" name="Straight Connector 15">
+            <a:extLst>
+              <a:ext uri="{FF2B5EF4-FFF2-40B4-BE49-F238E27FC236}">
+                <a16:creationId xmlns:a16="http://schemas.microsoft.com/office/drawing/2014/main" id="{A8F413B1-54E0-4B16-92AB-1CC5C7D645BC}"/>
+              </a:ext>
+              <a:ext uri="{C183D7F6-B498-43B3-948B-1728B52AA6E4}">
+                <adec:decorative xmlns:adec="http://schemas.microsoft.com/office/drawing/2017/decorative" val="1"/>
+              </a:ext>
+            </a:extLst>
+          </p:cNvPr>
+          <p:cNvCxnSpPr>
+            <a:cxnSpLocks noGrp="1" noRot="1" noChangeAspect="1" noMove="1" noResize="1" noEditPoints="1" noAdjustHandles="1" noChangeArrowheads="1" noChangeShapeType="1"/>
+          </p:cNvCxnSpPr>
+          <p:nvPr>
+            <p:extLst>
+              <p:ext uri="{386F3935-93C4-4BCD-93E2-E3B085C9AB24}">
+                <p16:designElem xmlns:p16="http://schemas.microsoft.com/office/powerpoint/2015/main" val="1"/>
+              </p:ext>
+            </p:extLst>
+          </p:nvPr>
+        </p:nvCxnSpPr>
+        <p:spPr>
+          <a:xfrm>
+            <a:off x="1453896" y="1847088"/>
+            <a:ext cx="9607522" cy="0"/>
+          </a:xfrm>
+          <a:prstGeom prst="line">
+            <a:avLst/>
+          </a:prstGeom>
+          <a:ln w="31750"/>
+        </p:spPr>
+        <p:style>
+          <a:lnRef idx="3">
+            <a:schemeClr val="accent1"/>
+          </a:lnRef>
+          <a:fillRef idx="0">
+            <a:schemeClr val="accent1"/>
+          </a:fillRef>
+          <a:effectRef idx="2">
+            <a:schemeClr val="accent1"/>
+          </a:effectRef>
+          <a:fontRef idx="minor">
+            <a:schemeClr val="tx1"/>
+          </a:fontRef>
+        </p:style>
+      </p:cxnSp>
+      <p:pic>
+        <p:nvPicPr>
+          <p:cNvPr id="5" name="Content Placeholder 4" descr="Python Generated Difference Map">
+            <a:extLst>
+              <a:ext uri="{FF2B5EF4-FFF2-40B4-BE49-F238E27FC236}">
+                <a16:creationId xmlns:a16="http://schemas.microsoft.com/office/drawing/2014/main" id="{09EED946-8A0C-077E-18EA-59E37A79EC62}"/>
+              </a:ext>
+            </a:extLst>
+          </p:cNvPr>
+          <p:cNvPicPr>
+            <a:picLocks noGrp="1" noChangeAspect="1"/>
+          </p:cNvPicPr>
+          <p:nvPr>
+            <p:ph idx="1"/>
+          </p:nvPr>
+        </p:nvPicPr>
+        <p:blipFill>
+          <a:blip r:embed="rId3"/>
+          <a:srcRect l="428" r="1354" b="1"/>
+          <a:stretch/>
+        </p:blipFill>
+        <p:spPr>
+          <a:xfrm>
+            <a:off x="20" y="10"/>
+            <a:ext cx="12191675" cy="6857990"/>
+          </a:xfrm>
+          <a:prstGeom prst="rect">
+            <a:avLst/>
+          </a:prstGeom>
+        </p:spPr>
+      </p:pic>
+      <p:sp>
+        <p:nvSpPr>
+          <p:cNvPr id="18" name="Rectangle 17">
+            <a:extLst>
+              <a:ext uri="{FF2B5EF4-FFF2-40B4-BE49-F238E27FC236}">
+                <a16:creationId xmlns:a16="http://schemas.microsoft.com/office/drawing/2014/main" id="{2E67E8BF-E4B2-4098-9FB3-9E400BD86935}"/>
+              </a:ext>
+              <a:ext uri="{C183D7F6-B498-43B3-948B-1728B52AA6E4}">
+                <adec:decorative xmlns:adec="http://schemas.microsoft.com/office/drawing/2017/decorative" val="1"/>
+              </a:ext>
+            </a:extLst>
+          </p:cNvPr>
+          <p:cNvSpPr>
+            <a:spLocks noGrp="1" noRot="1" noChangeAspect="1" noMove="1" noResize="1" noEditPoints="1" noAdjustHandles="1" noChangeArrowheads="1" noChangeShapeType="1" noTextEdit="1"/>
+          </p:cNvSpPr>
+          <p:nvPr>
+            <p:extLst>
+              <p:ext uri="{386F3935-93C4-4BCD-93E2-E3B085C9AB24}">
+                <p16:designElem xmlns:p16="http://schemas.microsoft.com/office/powerpoint/2015/main" val="1"/>
+              </p:ext>
+            </p:extLst>
+          </p:nvPr>
+        </p:nvSpPr>
+        <p:spPr>
+          <a:xfrm>
+            <a:off x="5930686" y="4905349"/>
+            <a:ext cx="5610646" cy="1450464"/>
+          </a:xfrm>
+          <a:prstGeom prst="rect">
+            <a:avLst/>
+          </a:prstGeom>
+          <a:solidFill>
+            <a:srgbClr val="000001">
+              <a:alpha val="75000"/>
+            </a:srgbClr>
+          </a:solidFill>
+          <a:ln>
+            <a:noFill/>
+          </a:ln>
+        </p:spPr>
+        <p:style>
+          <a:lnRef idx="1">
+            <a:schemeClr val="accent1"/>
+          </a:lnRef>
+          <a:fillRef idx="3">
+            <a:schemeClr val="accent1"/>
+          </a:fillRef>
+          <a:effectRef idx="2">
+            <a:schemeClr val="accent1"/>
+          </a:effectRef>
+          <a:fontRef idx="minor">
+            <a:schemeClr val="lt1"/>
+          </a:fontRef>
+        </p:style>
+        <p:txBody>
+          <a:bodyPr rtlCol="0" anchor="ctr"/>
+          <a:lstStyle/>
+          <a:p>
+            <a:pPr algn="ctr"/>
+            <a:endParaRPr lang="en-US"/>
+          </a:p>
+        </p:txBody>
+      </p:sp>
+      <p:sp>
+        <p:nvSpPr>
           <p:cNvPr id="2" name="Title 1">
             <a:extLst>
               <a:ext uri="{FF2B5EF4-FFF2-40B4-BE49-F238E27FC236}">
-                <a16:creationId xmlns:a16="http://schemas.microsoft.com/office/drawing/2014/main" id="{904D1BD4-AF5A-971A-8A04-5277C676896D}"/>
+                <a16:creationId xmlns:a16="http://schemas.microsoft.com/office/drawing/2014/main" id="{679BC0EE-FD4A-D1A5-9EBB-51109536B904}"/>
               </a:ext>
             </a:extLst>
           </p:cNvPr>
@@ -3817,62 +4155,85 @@
             <p:ph type="title"/>
           </p:nvPr>
         </p:nvSpPr>
-        <p:spPr/>
-        <p:txBody>
-          <a:bodyPr/>
-          <a:lstStyle/>
-          <a:p>
-            <a:r>
-              <a:rPr lang="en-US" dirty="0"/>
-              <a:t>Statistical analysis</a:t>
-            </a:r>
-          </a:p>
-        </p:txBody>
-      </p:sp>
-      <p:sp>
-        <p:nvSpPr>
-          <p:cNvPr id="3" name="Content Placeholder 2">
+        <p:spPr>
+          <a:xfrm>
+            <a:off x="6094412" y="5239131"/>
+            <a:ext cx="5279490" cy="960087"/>
+          </a:xfrm>
+        </p:spPr>
+        <p:txBody>
+          <a:bodyPr vert="horz" lIns="91440" tIns="45720" rIns="91440" bIns="45720" rtlCol="0" anchor="t">
+            <a:normAutofit/>
+          </a:bodyPr>
+          <a:lstStyle/>
+          <a:p>
+            <a:r>
+              <a:rPr lang="en-US" dirty="0">
+                <a:solidFill>
+                  <a:srgbClr val="FFFFFE"/>
+                </a:solidFill>
+              </a:rPr>
+              <a:t>Difference Map</a:t>
+            </a:r>
+          </a:p>
+        </p:txBody>
+      </p:sp>
+      <p:cxnSp>
+        <p:nvCxnSpPr>
+          <p:cNvPr id="20" name="Straight Connector 19">
             <a:extLst>
               <a:ext uri="{FF2B5EF4-FFF2-40B4-BE49-F238E27FC236}">
-                <a16:creationId xmlns:a16="http://schemas.microsoft.com/office/drawing/2014/main" id="{D377EB56-5544-E3F8-A8BC-00BE8E6A6D8C}"/>
+                <a16:creationId xmlns:a16="http://schemas.microsoft.com/office/drawing/2014/main" id="{3781A10F-5DF6-4C9B-AE0B-5249E4399D26}"/>
+              </a:ext>
+              <a:ext uri="{C183D7F6-B498-43B3-948B-1728B52AA6E4}">
+                <adec:decorative xmlns:adec="http://schemas.microsoft.com/office/drawing/2017/decorative" val="1"/>
               </a:ext>
             </a:extLst>
           </p:cNvPr>
-          <p:cNvSpPr>
-            <a:spLocks noGrp="1"/>
-          </p:cNvSpPr>
-          <p:nvPr>
-            <p:ph idx="1"/>
-          </p:nvPr>
-        </p:nvSpPr>
-        <p:spPr/>
-        <p:txBody>
-          <a:bodyPr/>
-          <a:lstStyle/>
-          <a:p>
-            <a:r>
-              <a:rPr lang="en-US" dirty="0"/>
-              <a:t>We now have a data table of every region’s volume change for every subject.</a:t>
-            </a:r>
-          </a:p>
-          <a:p>
-            <a:r>
-              <a:rPr lang="en-US" dirty="0"/>
-              <a:t>Now we will apply a linear regression model to see which region correlates with the subjects CUDIT score.</a:t>
-            </a:r>
-          </a:p>
-          <a:p>
-            <a:r>
-              <a:rPr lang="en-US" dirty="0"/>
-              <a:t>We will also check the P value of the correlation to ensure there is a significant relationship between the two values.</a:t>
-            </a:r>
-          </a:p>
-        </p:txBody>
-      </p:sp>
+          <p:cNvCxnSpPr>
+            <a:cxnSpLocks noGrp="1" noRot="1" noChangeAspect="1" noMove="1" noResize="1" noEditPoints="1" noAdjustHandles="1" noChangeArrowheads="1" noChangeShapeType="1"/>
+          </p:cNvCxnSpPr>
+          <p:nvPr>
+            <p:extLst>
+              <p:ext uri="{386F3935-93C4-4BCD-93E2-E3B085C9AB24}">
+                <p16:designElem xmlns:p16="http://schemas.microsoft.com/office/powerpoint/2015/main" val="1"/>
+              </p:ext>
+            </p:extLst>
+          </p:nvPr>
+        </p:nvCxnSpPr>
+        <p:spPr>
+          <a:xfrm>
+            <a:off x="6094411" y="5073596"/>
+            <a:ext cx="5283196" cy="0"/>
+          </a:xfrm>
+          <a:prstGeom prst="line">
+            <a:avLst/>
+          </a:prstGeom>
+          <a:ln w="31750">
+            <a:solidFill>
+              <a:srgbClr val="73A0FD"/>
+            </a:solidFill>
+          </a:ln>
+        </p:spPr>
+        <p:style>
+          <a:lnRef idx="3">
+            <a:schemeClr val="accent1"/>
+          </a:lnRef>
+          <a:fillRef idx="0">
+            <a:schemeClr val="accent1"/>
+          </a:fillRef>
+          <a:effectRef idx="2">
+            <a:schemeClr val="accent1"/>
+          </a:effectRef>
+          <a:fontRef idx="minor">
+            <a:schemeClr val="tx1"/>
+          </a:fontRef>
+        </p:style>
+      </p:cxnSp>
     </p:spTree>
     <p:extLst>
       <p:ext uri="{BB962C8B-B14F-4D97-AF65-F5344CB8AC3E}">
-        <p14:creationId xmlns:p14="http://schemas.microsoft.com/office/powerpoint/2010/main" val="3084368690"/>
+        <p14:creationId xmlns:p14="http://schemas.microsoft.com/office/powerpoint/2010/main" val="2810612687"/>
       </p:ext>
     </p:extLst>
   </p:cSld>
@@ -3904,6 +4265,104 @@
           <p:cNvPr id="2" name="Title 1">
             <a:extLst>
               <a:ext uri="{FF2B5EF4-FFF2-40B4-BE49-F238E27FC236}">
+                <a16:creationId xmlns:a16="http://schemas.microsoft.com/office/drawing/2014/main" id="{904D1BD4-AF5A-971A-8A04-5277C676896D}"/>
+              </a:ext>
+            </a:extLst>
+          </p:cNvPr>
+          <p:cNvSpPr>
+            <a:spLocks noGrp="1"/>
+          </p:cNvSpPr>
+          <p:nvPr>
+            <p:ph type="title"/>
+          </p:nvPr>
+        </p:nvSpPr>
+        <p:spPr/>
+        <p:txBody>
+          <a:bodyPr/>
+          <a:lstStyle/>
+          <a:p>
+            <a:r>
+              <a:rPr lang="en-US" dirty="0"/>
+              <a:t>Statistical analysis</a:t>
+            </a:r>
+          </a:p>
+        </p:txBody>
+      </p:sp>
+      <p:sp>
+        <p:nvSpPr>
+          <p:cNvPr id="3" name="Content Placeholder 2">
+            <a:extLst>
+              <a:ext uri="{FF2B5EF4-FFF2-40B4-BE49-F238E27FC236}">
+                <a16:creationId xmlns:a16="http://schemas.microsoft.com/office/drawing/2014/main" id="{D377EB56-5544-E3F8-A8BC-00BE8E6A6D8C}"/>
+              </a:ext>
+            </a:extLst>
+          </p:cNvPr>
+          <p:cNvSpPr>
+            <a:spLocks noGrp="1"/>
+          </p:cNvSpPr>
+          <p:nvPr>
+            <p:ph idx="1"/>
+          </p:nvPr>
+        </p:nvSpPr>
+        <p:spPr/>
+        <p:txBody>
+          <a:bodyPr/>
+          <a:lstStyle/>
+          <a:p>
+            <a:r>
+              <a:rPr lang="en-US" dirty="0"/>
+              <a:t>We now have a data table of every region’s volume change for every subject.</a:t>
+            </a:r>
+          </a:p>
+          <a:p>
+            <a:r>
+              <a:rPr lang="en-US" dirty="0"/>
+              <a:t>Now we will apply a linear regression model to see which region correlates with the subjects CUDIT score.</a:t>
+            </a:r>
+          </a:p>
+          <a:p>
+            <a:r>
+              <a:rPr lang="en-US" dirty="0"/>
+              <a:t>We will also check the P value of the correlation to ensure there is a significant relationship between the two values.</a:t>
+            </a:r>
+          </a:p>
+        </p:txBody>
+      </p:sp>
+    </p:spTree>
+    <p:extLst>
+      <p:ext uri="{BB962C8B-B14F-4D97-AF65-F5344CB8AC3E}">
+        <p14:creationId xmlns:p14="http://schemas.microsoft.com/office/powerpoint/2010/main" val="3084368690"/>
+      </p:ext>
+    </p:extLst>
+  </p:cSld>
+  <p:clrMapOvr>
+    <a:masterClrMapping/>
+  </p:clrMapOvr>
+</p:sld>
+</file>
+
+<file path=ppt/slides/slide13.xml><?xml version="1.0" encoding="utf-8"?>
+<p:sld xmlns:a="http://schemas.openxmlformats.org/drawingml/2006/main" xmlns:r="http://schemas.openxmlformats.org/officeDocument/2006/relationships" xmlns:p="http://schemas.openxmlformats.org/presentationml/2006/main">
+  <p:cSld>
+    <p:spTree>
+      <p:nvGrpSpPr>
+        <p:cNvPr id="1" name=""/>
+        <p:cNvGrpSpPr/>
+        <p:nvPr/>
+      </p:nvGrpSpPr>
+      <p:grpSpPr>
+        <a:xfrm>
+          <a:off x="0" y="0"/>
+          <a:ext cx="0" cy="0"/>
+          <a:chOff x="0" y="0"/>
+          <a:chExt cx="0" cy="0"/>
+        </a:xfrm>
+      </p:grpSpPr>
+      <p:sp>
+        <p:nvSpPr>
+          <p:cNvPr id="2" name="Title 1">
+            <a:extLst>
+              <a:ext uri="{FF2B5EF4-FFF2-40B4-BE49-F238E27FC236}">
                 <a16:creationId xmlns:a16="http://schemas.microsoft.com/office/drawing/2014/main" id="{A41B53DA-6124-6317-0314-5036CCFBBA0F}"/>
               </a:ext>
             </a:extLst>
@@ -4183,7 +4642,7 @@
 </p:sld>
 </file>
 
-<file path=ppt/slides/slide13.xml><?xml version="1.0" encoding="utf-8"?>
+<file path=ppt/slides/slide14.xml><?xml version="1.0" encoding="utf-8"?>
 <p:sld xmlns:a="http://schemas.openxmlformats.org/drawingml/2006/main" xmlns:r="http://schemas.openxmlformats.org/officeDocument/2006/relationships" xmlns:p="http://schemas.openxmlformats.org/presentationml/2006/main">
   <p:cSld>
     <p:spTree>

--- a/Python Presentation.pptx
+++ b/Python Presentation.pptx
@@ -117,6 +117,11 @@
       </a:defRPr>
     </a:lvl9pPr>
   </p:defaultTextStyle>
+  <p:extLst>
+    <p:ext uri="{EFAFB233-063F-42B5-8137-9DF3F51BA10A}">
+      <p15:sldGuideLst xmlns:p15="http://schemas.microsoft.com/office/powerpoint/2012/main"/>
+    </p:ext>
+  </p:extLst>
 </p:presentation>
 </file>
 
@@ -259,7 +264,7 @@
           <a:p>
             <a:fld id="{48A87A34-81AB-432B-8DAE-1953F412C126}" type="datetimeFigureOut">
               <a:rPr lang="en-US" dirty="0"/>
-              <a:t>1/23/25</a:t>
+              <a:t>1/29/25</a:t>
             </a:fld>
             <a:endParaRPr lang="en-US" dirty="0"/>
           </a:p>
@@ -465,7 +470,7 @@
           <a:p>
             <a:fld id="{48A87A34-81AB-432B-8DAE-1953F412C126}" type="datetimeFigureOut">
               <a:rPr lang="en-US" dirty="0"/>
-              <a:t>1/23/25</a:t>
+              <a:t>1/29/25</a:t>
             </a:fld>
             <a:endParaRPr lang="en-US" dirty="0"/>
           </a:p>
@@ -675,7 +680,7 @@
           <a:p>
             <a:fld id="{48A87A34-81AB-432B-8DAE-1953F412C126}" type="datetimeFigureOut">
               <a:rPr lang="en-US" dirty="0"/>
-              <a:t>1/23/25</a:t>
+              <a:t>1/29/25</a:t>
             </a:fld>
             <a:endParaRPr lang="en-US" dirty="0"/>
           </a:p>
@@ -871,7 +876,7 @@
           <a:p>
             <a:fld id="{48A87A34-81AB-432B-8DAE-1953F412C126}" type="datetimeFigureOut">
               <a:rPr lang="en-US" dirty="0"/>
-              <a:t>1/23/25</a:t>
+              <a:t>1/29/25</a:t>
             </a:fld>
             <a:endParaRPr lang="en-US" dirty="0"/>
           </a:p>
@@ -1145,7 +1150,7 @@
           <a:p>
             <a:fld id="{48A87A34-81AB-432B-8DAE-1953F412C126}" type="datetimeFigureOut">
               <a:rPr lang="en-US" dirty="0"/>
-              <a:t>1/23/25</a:t>
+              <a:t>1/29/25</a:t>
             </a:fld>
             <a:endParaRPr lang="en-US" dirty="0"/>
           </a:p>
@@ -1408,7 +1413,7 @@
           <a:p>
             <a:fld id="{48A87A34-81AB-432B-8DAE-1953F412C126}" type="datetimeFigureOut">
               <a:rPr lang="en-US" dirty="0"/>
-              <a:t>1/23/25</a:t>
+              <a:t>1/29/25</a:t>
             </a:fld>
             <a:endParaRPr lang="en-US" dirty="0"/>
           </a:p>
@@ -1819,7 +1824,7 @@
           <a:p>
             <a:fld id="{48A87A34-81AB-432B-8DAE-1953F412C126}" type="datetimeFigureOut">
               <a:rPr lang="en-US" dirty="0"/>
-              <a:t>1/23/25</a:t>
+              <a:t>1/29/25</a:t>
             </a:fld>
             <a:endParaRPr lang="en-US" dirty="0"/>
           </a:p>
@@ -1963,7 +1968,7 @@
           <a:p>
             <a:fld id="{48A87A34-81AB-432B-8DAE-1953F412C126}" type="datetimeFigureOut">
               <a:rPr lang="en-US" dirty="0"/>
-              <a:t>1/23/25</a:t>
+              <a:t>1/29/25</a:t>
             </a:fld>
             <a:endParaRPr lang="en-US" dirty="0"/>
           </a:p>
@@ -2084,7 +2089,7 @@
           <a:p>
             <a:fld id="{48A87A34-81AB-432B-8DAE-1953F412C126}" type="datetimeFigureOut">
               <a:rPr lang="en-US" dirty="0"/>
-              <a:t>1/23/25</a:t>
+              <a:t>1/29/25</a:t>
             </a:fld>
             <a:endParaRPr lang="en-US" dirty="0"/>
           </a:p>
@@ -2330,7 +2335,7 @@
           <a:p>
             <a:fld id="{48A87A34-81AB-432B-8DAE-1953F412C126}" type="datetimeFigureOut">
               <a:rPr lang="en-US" dirty="0"/>
-              <a:t>1/23/25</a:t>
+              <a:t>1/29/25</a:t>
             </a:fld>
             <a:endParaRPr lang="en-US" dirty="0"/>
           </a:p>
@@ -2771,7 +2776,7 @@
             <a:fld id="{48A87A34-81AB-432B-8DAE-1953F412C126}" type="datetimeFigureOut">
               <a:rPr lang="en-US" dirty="0"/>
               <a:pPr/>
-              <a:t>1/23/25</a:t>
+              <a:t>1/29/25</a:t>
             </a:fld>
             <a:endParaRPr lang="en-US" dirty="0"/>
           </a:p>
@@ -3094,7 +3099,7 @@
             <a:fld id="{48A87A34-81AB-432B-8DAE-1953F412C126}" type="datetimeFigureOut">
               <a:rPr lang="en-US" dirty="0"/>
               <a:pPr/>
-              <a:t>1/23/25</a:t>
+              <a:t>1/29/25</a:t>
             </a:fld>
             <a:endParaRPr lang="en-US" dirty="0"/>
           </a:p>
@@ -5731,35 +5736,50 @@
             </a:lvl9pPr>
           </a:lstStyle>
           <a:p>
-            <a:pPr marL="457200"/>
+            <a:pPr marL="685800" indent="-457200">
+              <a:buFont typeface="+mj-lt"/>
+              <a:buAutoNum type="arabicPeriod"/>
+            </a:pPr>
             <a:r>
               <a:rPr lang="en-US" dirty="0"/>
               <a:t>Data Sourcing</a:t>
             </a:r>
           </a:p>
           <a:p>
-            <a:pPr marL="457200"/>
+            <a:pPr marL="685800" indent="-457200">
+              <a:buFont typeface="+mj-lt"/>
+              <a:buAutoNum type="arabicPeriod"/>
+            </a:pPr>
             <a:r>
               <a:rPr lang="en-US" dirty="0"/>
               <a:t>MRI Preprocessing</a:t>
             </a:r>
           </a:p>
           <a:p>
-            <a:pPr marL="457200"/>
+            <a:pPr marL="685800" indent="-457200">
+              <a:buFont typeface="+mj-lt"/>
+              <a:buAutoNum type="arabicPeriod"/>
+            </a:pPr>
             <a:r>
               <a:rPr lang="en-US" dirty="0"/>
               <a:t>Matching MRI to template</a:t>
             </a:r>
           </a:p>
           <a:p>
-            <a:pPr marL="457200"/>
+            <a:pPr marL="685800" indent="-457200">
+              <a:buFont typeface="+mj-lt"/>
+              <a:buAutoNum type="arabicPeriod"/>
+            </a:pPr>
             <a:r>
               <a:rPr lang="en-US" dirty="0"/>
               <a:t>Region &amp; Volume Analysis</a:t>
             </a:r>
           </a:p>
           <a:p>
-            <a:pPr marL="457200"/>
+            <a:pPr marL="685800" indent="-457200">
+              <a:buFont typeface="+mj-lt"/>
+              <a:buAutoNum type="arabicPeriod"/>
+            </a:pPr>
             <a:r>
               <a:rPr lang="en-US" dirty="0"/>
               <a:t>Statistical Analysis</a:t>
@@ -5843,24 +5863,70 @@
         </p:nvSpPr>
         <p:spPr/>
         <p:txBody>
-          <a:bodyPr/>
-          <a:lstStyle/>
+          <a:bodyPr>
+            <a:normAutofit/>
+          </a:bodyPr>
+          <a:lstStyle/>
+          <a:p>
+            <a:pPr marL="0" indent="0">
+              <a:buNone/>
+            </a:pPr>
+            <a:r>
+              <a:rPr lang="en-US" u="sng" dirty="0"/>
+              <a:t>MRI Libraries</a:t>
+            </a:r>
+          </a:p>
           <a:p>
             <a:r>
               <a:rPr lang="en-US" dirty="0"/>
-              <a:t>ANTS</a:t>
-            </a:r>
+              <a:t>ANTS – </a:t>
+            </a:r>
+            <a:r>
+              <a:rPr lang="en-US" b="0" i="0" dirty="0">
+                <a:effectLst/>
+                <a:latin typeface="Arial" panose="020B0604020202020204" pitchFamily="34" charset="0"/>
+              </a:rPr>
+              <a:t>Advanced Normalization Tools used to register the images</a:t>
+            </a:r>
+            <a:endParaRPr lang="en-US" dirty="0"/>
           </a:p>
           <a:p>
             <a:r>
               <a:rPr lang="en-US" dirty="0"/>
-              <a:t>NILEARN</a:t>
+              <a:t>NILEARN – Library for analysis of MRI data</a:t>
+            </a:r>
+          </a:p>
+          <a:p>
+            <a:pPr marL="0" indent="0">
+              <a:buNone/>
+            </a:pPr>
+            <a:r>
+              <a:rPr lang="en-US" u="sng" dirty="0"/>
+              <a:t>General Libraries</a:t>
             </a:r>
           </a:p>
           <a:p>
             <a:r>
               <a:rPr lang="en-US" dirty="0"/>
-              <a:t>PANDAS</a:t>
+              <a:t>PANDAS – Data Handling</a:t>
+            </a:r>
+            <a:endParaRPr lang="en-US" dirty="0">
+              <a:solidFill>
+                <a:srgbClr val="D4D4D4"/>
+              </a:solidFill>
+              <a:latin typeface="Menlo" panose="020B0609030804020204" pitchFamily="49" charset="0"/>
+            </a:endParaRPr>
+          </a:p>
+          <a:p>
+            <a:r>
+              <a:rPr lang="en-US" dirty="0"/>
+              <a:t>SKLEARN – Machine Learning</a:t>
+            </a:r>
+          </a:p>
+          <a:p>
+            <a:r>
+              <a:rPr lang="en-US" dirty="0"/>
+              <a:t>Matplotlib/Seaborn – Data visualizations</a:t>
             </a:r>
           </a:p>
         </p:txBody>
